--- a/poster.pptx
+++ b/poster.pptx
@@ -4840,8 +4840,25 @@
                 <a:latin typeface="Arial" panose="020B0604020202020204" pitchFamily="34" charset="0"/>
                 <a:cs typeface="Arial" panose="020B0604020202020204" pitchFamily="34" charset="0"/>
               </a:rPr>
-              <a:t>A simple modular autonomous system is needed-</a:t>
-            </a:r>
+              <a:t>A simple modular autonomous system </a:t>
+            </a:r>
+            <a:r>
+              <a:rPr lang="en-US" sz="2990" b="0">
+                <a:solidFill>
+                  <a:srgbClr val="000060"/>
+                </a:solidFill>
+                <a:latin typeface="Arial" panose="020B0604020202020204" pitchFamily="34" charset="0"/>
+                <a:cs typeface="Arial" panose="020B0604020202020204" pitchFamily="34" charset="0"/>
+              </a:rPr>
+              <a:t>is needed</a:t>
+            </a:r>
+            <a:endParaRPr lang="en-US" sz="2990" b="0" dirty="0">
+              <a:solidFill>
+                <a:srgbClr val="000060"/>
+              </a:solidFill>
+              <a:latin typeface="Arial" panose="020B0604020202020204" pitchFamily="34" charset="0"/>
+              <a:cs typeface="Arial" panose="020B0604020202020204" pitchFamily="34" charset="0"/>
+            </a:endParaRPr>
           </a:p>
           <a:p>
             <a:pPr marL="867563" lvl="1" indent="-425679" algn="l" rtl="0">
@@ -5030,11 +5047,11 @@
                 <a:latin typeface="Arial" panose="020B0604020202020204" pitchFamily="34" charset="0"/>
                 <a:cs typeface="Arial" panose="020B0604020202020204" pitchFamily="34" charset="0"/>
               </a:rPr>
-              <a:t>Localize the car in a track surrounded by cones using only camera</a:t>
-            </a:r>
-          </a:p>
-          <a:p>
-            <a:pPr marL="867563" lvl="1" indent="-425679" algn="l" rtl="0">
+              <a:t>Localize the car in a track consisting of cones using camera only</a:t>
+            </a:r>
+          </a:p>
+          <a:p>
+            <a:pPr marL="425679" indent="-425679" algn="l" rtl="0">
               <a:spcBef>
                 <a:spcPts val="1682"/>
               </a:spcBef>
@@ -5050,27 +5067,7 @@
                 <a:latin typeface="Arial" panose="020B0604020202020204" pitchFamily="34" charset="0"/>
                 <a:cs typeface="Arial" panose="020B0604020202020204" pitchFamily="34" charset="0"/>
               </a:rPr>
-              <a:t>SLAM solution- ORB-SLAM</a:t>
-            </a:r>
-          </a:p>
-          <a:p>
-            <a:pPr marL="867563" lvl="1" indent="-425679" algn="l" rtl="0">
-              <a:spcBef>
-                <a:spcPts val="1682"/>
-              </a:spcBef>
-              <a:buSzPct val="125000"/>
-              <a:buFont typeface="Arial" pitchFamily="34" charset="0"/>
-              <a:buChar char="•"/>
-            </a:pPr>
-            <a:r>
-              <a:rPr lang="en-US" sz="2990" b="0" dirty="0">
-                <a:solidFill>
-                  <a:srgbClr val="000060"/>
-                </a:solidFill>
-                <a:latin typeface="Arial" panose="020B0604020202020204" pitchFamily="34" charset="0"/>
-                <a:cs typeface="Arial" panose="020B0604020202020204" pitchFamily="34" charset="0"/>
-              </a:rPr>
-              <a:t>Classification solution- YOLO</a:t>
+              <a:t>Send location and map to route planning</a:t>
             </a:r>
           </a:p>
           <a:p>
@@ -5626,7 +5623,7 @@
                 <a:latin typeface="Arial" panose="020B0604020202020204" pitchFamily="34" charset="0"/>
                 <a:cs typeface="Arial" panose="020B0604020202020204" pitchFamily="34" charset="0"/>
               </a:rPr>
-              <a:t> wouldn’t be possible is such a time scale without it</a:t>
+              <a:t> wouldn’t be possible in such a time scale without it</a:t>
             </a:r>
           </a:p>
           <a:p>
@@ -5646,7 +5643,7 @@
                 <a:latin typeface="Arial" panose="020B0604020202020204" pitchFamily="34" charset="0"/>
                 <a:cs typeface="Arial" panose="020B0604020202020204" pitchFamily="34" charset="0"/>
               </a:rPr>
-              <a:t>For the racing itself more advanced system is needed- several sensors fusion, maybe add lidar based slam as backup</a:t>
+              <a:t>For the race in 2020 more advanced system is needed- several sensors fusion, maybe add lidar based slam as backup</a:t>
             </a:r>
           </a:p>
         </p:txBody>
@@ -7754,7 +7751,7 @@
                 <a:latin typeface="Arial" panose="020B0604020202020204" pitchFamily="34" charset="0"/>
                 <a:cs typeface="Arial" panose="020B0604020202020204" pitchFamily="34" charset="0"/>
               </a:rPr>
-              <a:t>If made of blue or yellow cone- classify as such</a:t>
+              <a:t>If made of blue or yellow ORB feature- classify as such</a:t>
             </a:r>
           </a:p>
           <a:p>
